--- a/BM-723 _Business research method/BooksAndNotes/Lec Two.pptx
+++ b/BM-723 _Business research method/BooksAndNotes/Lec Two.pptx
@@ -142,6 +142,32 @@
 </p:presentation>
 </file>
 
+<file path=ppt/commentAuthors.xml><?xml version="1.0" encoding="utf-8"?>
+<p:cmAuthorLst xmlns:a="http://schemas.openxmlformats.org/drawingml/2006/main" xmlns:r="http://schemas.openxmlformats.org/officeDocument/2006/relationships" xmlns:p="http://schemas.openxmlformats.org/presentationml/2006/main">
+  <p:cmAuthor id="1" name="Microsoft account" initials="Ma" lastIdx="2" clrIdx="0">
+    <p:extLst>
+      <p:ext uri="{19B8F6BF-5375-455C-9EA6-DF929625EA0E}">
+        <p15:presenceInfo xmlns:p15="http://schemas.microsoft.com/office/powerpoint/2012/main" userId="1a94dd818d2a485d" providerId="Windows Live"/>
+      </p:ext>
+    </p:extLst>
+  </p:cmAuthor>
+</p:cmAuthorLst>
+</file>
+
+<file path=ppt/comments/comment1.xml><?xml version="1.0" encoding="utf-8"?>
+<p:cmLst xmlns:a="http://schemas.openxmlformats.org/drawingml/2006/main" xmlns:r="http://schemas.openxmlformats.org/officeDocument/2006/relationships" xmlns:p="http://schemas.openxmlformats.org/presentationml/2006/main">
+  <p:cm authorId="1" dt="2021-04-11T12:57:35.258" idx="2">
+    <p:pos x="3679" y="2022"/>
+    <p:text>unwritten rules of behavior that are considered acceptable in a group or society</p:text>
+    <p:extLst>
+      <p:ext uri="{C676402C-5697-4E1C-873F-D02D1690AC5C}">
+        <p15:threadingInfo xmlns:p15="http://schemas.microsoft.com/office/powerpoint/2012/main" timeZoneBias="-300"/>
+      </p:ext>
+    </p:extLst>
+  </p:cm>
+</p:cmLst>
+</file>
+
 <file path=ppt/slideLayouts/slideLayout1.xml><?xml version="1.0" encoding="utf-8"?>
 <p:sldLayout xmlns:a="http://schemas.openxmlformats.org/drawingml/2006/main" xmlns:r="http://schemas.openxmlformats.org/officeDocument/2006/relationships" xmlns:p="http://schemas.openxmlformats.org/presentationml/2006/main" showMasterSp="0" type="title" preserve="1">
   <p:cSld name="Title Slide">
@@ -8935,7 +8961,7 @@
           <a:p>
             <a:fld id="{085FF034-438D-478A-A32C-A08D514DD502}" type="datetimeFigureOut">
               <a:rPr lang="en-GB" smtClean="0"/>
-              <a:t>26/01/2021</a:t>
+              <a:t>11/04/2021</a:t>
             </a:fld>
             <a:endParaRPr lang="en-GB"/>
           </a:p>
@@ -9147,7 +9173,7 @@
           <a:p>
             <a:fld id="{085FF034-438D-478A-A32C-A08D514DD502}" type="datetimeFigureOut">
               <a:rPr lang="en-GB" smtClean="0"/>
-              <a:t>26/01/2021</a:t>
+              <a:t>11/04/2021</a:t>
             </a:fld>
             <a:endParaRPr lang="en-GB"/>
           </a:p>
@@ -9327,7 +9353,7 @@
           <a:p>
             <a:fld id="{085FF034-438D-478A-A32C-A08D514DD502}" type="datetimeFigureOut">
               <a:rPr lang="en-GB" smtClean="0"/>
-              <a:t>26/01/2021</a:t>
+              <a:t>11/04/2021</a:t>
             </a:fld>
             <a:endParaRPr lang="en-GB"/>
           </a:p>
@@ -9532,7 +9558,7 @@
           <a:p>
             <a:fld id="{085FF034-438D-478A-A32C-A08D514DD502}" type="datetimeFigureOut">
               <a:rPr lang="en-GB" smtClean="0"/>
-              <a:t>26/01/2021</a:t>
+              <a:t>11/04/2021</a:t>
             </a:fld>
             <a:endParaRPr lang="en-GB"/>
           </a:p>
@@ -18430,7 +18456,7 @@
           <a:p>
             <a:fld id="{085FF034-438D-478A-A32C-A08D514DD502}" type="datetimeFigureOut">
               <a:rPr lang="en-GB" smtClean="0"/>
-              <a:t>26/01/2021</a:t>
+              <a:t>11/04/2021</a:t>
             </a:fld>
             <a:endParaRPr lang="en-GB"/>
           </a:p>
@@ -18704,7 +18730,7 @@
           <a:p>
             <a:fld id="{085FF034-438D-478A-A32C-A08D514DD502}" type="datetimeFigureOut">
               <a:rPr lang="en-GB" smtClean="0"/>
-              <a:t>26/01/2021</a:t>
+              <a:t>11/04/2021</a:t>
             </a:fld>
             <a:endParaRPr lang="en-GB"/>
           </a:p>
@@ -19102,7 +19128,7 @@
           <a:p>
             <a:fld id="{085FF034-438D-478A-A32C-A08D514DD502}" type="datetimeFigureOut">
               <a:rPr lang="en-GB" smtClean="0"/>
-              <a:t>26/01/2021</a:t>
+              <a:t>11/04/2021</a:t>
             </a:fld>
             <a:endParaRPr lang="en-GB"/>
           </a:p>
@@ -19220,7 +19246,7 @@
           <a:p>
             <a:fld id="{085FF034-438D-478A-A32C-A08D514DD502}" type="datetimeFigureOut">
               <a:rPr lang="en-GB" smtClean="0"/>
-              <a:t>26/01/2021</a:t>
+              <a:t>11/04/2021</a:t>
             </a:fld>
             <a:endParaRPr lang="en-GB"/>
           </a:p>
@@ -19315,7 +19341,7 @@
           <a:p>
             <a:fld id="{085FF034-438D-478A-A32C-A08D514DD502}" type="datetimeFigureOut">
               <a:rPr lang="en-GB" smtClean="0"/>
-              <a:t>26/01/2021</a:t>
+              <a:t>11/04/2021</a:t>
             </a:fld>
             <a:endParaRPr lang="en-GB"/>
           </a:p>
@@ -19610,7 +19636,7 @@
           <a:p>
             <a:fld id="{085FF034-438D-478A-A32C-A08D514DD502}" type="datetimeFigureOut">
               <a:rPr lang="en-GB" smtClean="0"/>
-              <a:t>26/01/2021</a:t>
+              <a:t>11/04/2021</a:t>
             </a:fld>
             <a:endParaRPr lang="en-GB"/>
           </a:p>
@@ -19895,7 +19921,7 @@
           <a:p>
             <a:fld id="{085FF034-438D-478A-A32C-A08D514DD502}" type="datetimeFigureOut">
               <a:rPr lang="en-GB" smtClean="0"/>
-              <a:t>26/01/2021</a:t>
+              <a:t>11/04/2021</a:t>
             </a:fld>
             <a:endParaRPr lang="en-GB"/>
           </a:p>
@@ -20145,7 +20171,7 @@
           <a:p>
             <a:fld id="{085FF034-438D-478A-A32C-A08D514DD502}" type="datetimeFigureOut">
               <a:rPr lang="en-GB" smtClean="0"/>
-              <a:t>26/01/2021</a:t>
+              <a:t>11/04/2021</a:t>
             </a:fld>
             <a:endParaRPr lang="en-GB"/>
           </a:p>
@@ -21090,7 +21116,6 @@
               <a:rPr lang="en-GB" sz="2800" dirty="0"/>
               <a:t>(Critical appraisal of literature)</a:t>
             </a:r>
-            <a:endParaRPr lang="en-GB" sz="2800" dirty="0"/>
           </a:p>
         </p:txBody>
       </p:sp>
@@ -21282,7 +21307,6 @@
               <a:rPr lang="en-GB" sz="4000" dirty="0"/>
               <a:t>at the end of the research problems are suggested based on the shortcoming of the previous research, these could be investigated.</a:t>
             </a:r>
-            <a:endParaRPr lang="en-GB" sz="4000" dirty="0"/>
           </a:p>
         </p:txBody>
       </p:sp>
@@ -21553,7 +21577,6 @@
               <a:rPr lang="en-GB" sz="4000" dirty="0"/>
               <a:t>idea for a research may stem from a familiarity with social concerns or controversial social issues.</a:t>
             </a:r>
-            <a:endParaRPr lang="en-GB" sz="4000" dirty="0"/>
           </a:p>
         </p:txBody>
       </p:sp>
@@ -21681,7 +21704,6 @@
               <a:rPr lang="en-GB" sz="4000" dirty="0"/>
               <a:t>refers to intensified discussions among interested people of the profession in order to find more ideas to formulate a good research problem.</a:t>
             </a:r>
-            <a:endParaRPr lang="en-GB" sz="4000" dirty="0"/>
           </a:p>
         </p:txBody>
       </p:sp>
@@ -21813,7 +21835,6 @@
               <a:rPr lang="en-GB" sz="4000" dirty="0"/>
               <a:t>is believed that reflective mind is a good source of ideas, which may be used to find out new and good research problems.</a:t>
             </a:r>
-            <a:endParaRPr lang="en-GB" sz="4000" dirty="0"/>
           </a:p>
         </p:txBody>
       </p:sp>
@@ -21913,11 +21934,7 @@
             </a:pPr>
             <a:r>
               <a:rPr lang="en-GB" sz="4000" dirty="0"/>
-              <a:t> </a:t>
-            </a:r>
-            <a:r>
-              <a:rPr lang="en-GB" sz="4000" dirty="0"/>
-              <a:t>Common beliefs could be right or wrong. </a:t>
+              <a:t> Common beliefs could be right or wrong. </a:t>
             </a:r>
             <a:endParaRPr lang="en-GB" sz="4000" dirty="0" smtClean="0"/>
           </a:p>
@@ -22060,11 +22077,7 @@
             </a:pPr>
             <a:r>
               <a:rPr lang="en-GB" sz="4000" dirty="0"/>
-              <a:t> </a:t>
-            </a:r>
-            <a:r>
-              <a:rPr lang="en-GB" sz="4000" dirty="0"/>
-              <a:t>During field exposure researchers get a variety of experiences which may provide plenty of ideas to formulate research problems.</a:t>
+              <a:t> During field exposure researchers get a variety of experiences which may provide plenty of ideas to formulate research problems.</a:t>
             </a:r>
           </a:p>
         </p:txBody>
@@ -22173,11 +22186,7 @@
             </a:pPr>
             <a:r>
               <a:rPr lang="en-GB" sz="4000" dirty="0"/>
-              <a:t> </a:t>
-            </a:r>
-            <a:r>
-              <a:rPr lang="en-GB" sz="4000" dirty="0"/>
-              <a:t>During field exposure researchers get a variety of experiences which may provide plenty of ideas to formulate research problems.</a:t>
+              <a:t> During field exposure researchers get a variety of experiences which may provide plenty of ideas to formulate research problems.</a:t>
             </a:r>
           </a:p>
         </p:txBody>
@@ -23628,7 +23637,70 @@
             </a:r>
             <a:r>
               <a:rPr lang="en-GB" sz="3200" dirty="0"/>
-              <a:t>problems use two different ways to collect data- cross-sectional studies and longitudinal studies. Cross-sectional studies provide a snapshot of data at a certain moment in time. On the other hand, longitudinal studies involve a fixed and stable sample that is measured repeatedly over time. </a:t>
+              <a:t>problems use two different ways to collect data- </a:t>
+            </a:r>
+            <a:r>
+              <a:rPr lang="en-GB" sz="3200" dirty="0">
+                <a:solidFill>
+                  <a:srgbClr val="FFC000"/>
+                </a:solidFill>
+              </a:rPr>
+              <a:t>cross-sectional</a:t>
+            </a:r>
+            <a:r>
+              <a:rPr lang="en-GB" sz="3200" dirty="0"/>
+              <a:t> studies and </a:t>
+            </a:r>
+            <a:r>
+              <a:rPr lang="en-GB" sz="3200" dirty="0">
+                <a:solidFill>
+                  <a:srgbClr val="FFC000"/>
+                </a:solidFill>
+              </a:rPr>
+              <a:t>longitudinal</a:t>
+            </a:r>
+            <a:r>
+              <a:rPr lang="en-GB" sz="3200" dirty="0"/>
+              <a:t> studies. </a:t>
+            </a:r>
+            <a:r>
+              <a:rPr lang="en-GB" sz="3200" dirty="0">
+                <a:solidFill>
+                  <a:srgbClr val="FF0000"/>
+                </a:solidFill>
+              </a:rPr>
+              <a:t>Cross-sectional studies provide a snapshot of data at a certain moment in time. On the other hand, longitudinal studies involve a fixed and stable sample that is measured repeatedly over time. </a:t>
+            </a:r>
+            <a:endParaRPr lang="en-GB" sz="3200" dirty="0" smtClean="0">
+              <a:solidFill>
+                <a:srgbClr val="FF0000"/>
+              </a:solidFill>
+            </a:endParaRPr>
+          </a:p>
+          <a:p>
+            <a:pPr algn="just">
+              <a:buFont typeface="Wingdings" panose="05000000000000000000" pitchFamily="2" charset="2"/>
+              <a:buChar char="§"/>
+            </a:pPr>
+            <a:r>
+              <a:rPr lang="en-GB" sz="3200" dirty="0" smtClean="0"/>
+              <a:t>However</a:t>
+            </a:r>
+            <a:r>
+              <a:rPr lang="en-GB" sz="3200" dirty="0"/>
+              <a:t>, in both cases, methods that can be used to </a:t>
+            </a:r>
+            <a:r>
+              <a:rPr lang="en-GB" sz="3200" dirty="0">
+                <a:solidFill>
+                  <a:srgbClr val="FF0000"/>
+                </a:solidFill>
+              </a:rPr>
+              <a:t>collect data include mail, online or offline surveys, and interviews.</a:t>
+            </a:r>
+            <a:r>
+              <a:rPr lang="en-GB" sz="3200" dirty="0"/>
+              <a:t> </a:t>
             </a:r>
             <a:endParaRPr lang="en-GB" sz="3200" dirty="0" smtClean="0"/>
           </a:p>
@@ -23639,29 +23711,30 @@
             </a:pPr>
             <a:r>
               <a:rPr lang="en-GB" sz="3200" dirty="0" smtClean="0"/>
-              <a:t>However</a:t>
+              <a:t>When </a:t>
             </a:r>
             <a:r>
               <a:rPr lang="en-GB" sz="3200" dirty="0"/>
-              <a:t>, in both cases, methods that can be used to collect data include mail, online or offline surveys, and interviews. </a:t>
-            </a:r>
-            <a:endParaRPr lang="en-GB" sz="3200" dirty="0" smtClean="0"/>
-          </a:p>
-          <a:p>
-            <a:pPr algn="just">
-              <a:buFont typeface="Wingdings" panose="05000000000000000000" pitchFamily="2" charset="2"/>
-              <a:buChar char="§"/>
-            </a:pPr>
-            <a:r>
-              <a:rPr lang="en-GB" sz="3200" dirty="0" smtClean="0"/>
-              <a:t>When </a:t>
+              <a:t>a researcher is dealing with a descriptive research problem, there can </a:t>
+            </a:r>
+            <a:r>
+              <a:rPr lang="en-GB" sz="3200" dirty="0">
+                <a:solidFill>
+                  <a:srgbClr val="FF0000"/>
+                </a:solidFill>
+              </a:rPr>
+              <a:t>be no manipulation </a:t>
             </a:r>
             <a:r>
               <a:rPr lang="en-GB" sz="3200" dirty="0"/>
-              <a:t>a researcher is dealing with a descriptive research problem, there can be no manipulation in the variables and hypotheses as they are usually </a:t>
-            </a:r>
-            <a:r>
-              <a:rPr lang="en-GB" sz="3200" dirty="0" err="1"/>
+              <a:t>in the variables and hypotheses as they are usually </a:t>
+            </a:r>
+            <a:r>
+              <a:rPr lang="en-GB" sz="3200" dirty="0" err="1">
+                <a:solidFill>
+                  <a:srgbClr val="FF0000"/>
+                </a:solidFill>
+              </a:rPr>
               <a:t>nondirectional</a:t>
             </a:r>
             <a:r>
@@ -23808,7 +23881,19 @@
             </a:pPr>
             <a:r>
               <a:rPr lang="en-GB" sz="3200" dirty="0"/>
-              <a:t>This research problem states that some sort of relationship between two variables needs to be investigated. </a:t>
+              <a:t>This research problem states that </a:t>
+            </a:r>
+            <a:r>
+              <a:rPr lang="en-GB" sz="3200" dirty="0">
+                <a:solidFill>
+                  <a:srgbClr val="FF0000"/>
+                </a:solidFill>
+              </a:rPr>
+              <a:t>some sort of relationship between two variables</a:t>
+            </a:r>
+            <a:r>
+              <a:rPr lang="en-GB" sz="3200" dirty="0"/>
+              <a:t> needs to be investigated. </a:t>
             </a:r>
             <a:endParaRPr lang="en-GB" sz="3200" dirty="0" smtClean="0"/>
           </a:p>
@@ -23818,12 +23903,24 @@
               <a:buChar char="§"/>
             </a:pPr>
             <a:r>
-              <a:rPr lang="en-GB" sz="3200" dirty="0" smtClean="0"/>
+              <a:rPr lang="en-GB" sz="3200" dirty="0" smtClean="0">
+                <a:solidFill>
+                  <a:srgbClr val="FF0000"/>
+                </a:solidFill>
+              </a:rPr>
               <a:t>The </a:t>
             </a:r>
             <a:r>
+              <a:rPr lang="en-GB" sz="3200" dirty="0">
+                <a:solidFill>
+                  <a:srgbClr val="FF0000"/>
+                </a:solidFill>
+              </a:rPr>
+              <a:t>aim is to investigate the qualities or characteristics that are connected in some way</a:t>
+            </a:r>
+            <a:r>
               <a:rPr lang="en-GB" sz="3200" dirty="0"/>
-              <a:t>aim is to investigate the qualities or characteristics that are connected in some way.</a:t>
+              <a:t>.</a:t>
             </a:r>
           </a:p>
           <a:p>
@@ -23837,9 +23934,25 @@
             </a:r>
             <a:r>
               <a:rPr lang="en-GB" sz="3200" dirty="0"/>
-              <a:t>example, ‘how is the experience of a teacher related to his/ her teaching style?’ </a:t>
-            </a:r>
-            <a:endParaRPr lang="en-GB" sz="3200" dirty="0" smtClean="0"/>
+              <a:t>example, </a:t>
+            </a:r>
+            <a:r>
+              <a:rPr lang="en-GB" sz="3200" dirty="0">
+                <a:solidFill>
+                  <a:schemeClr val="accent5">
+                    <a:lumMod val="75000"/>
+                  </a:schemeClr>
+                </a:solidFill>
+              </a:rPr>
+              <a:t>‘how is the experience of a teacher related to his/ her teaching style?’ </a:t>
+            </a:r>
+            <a:endParaRPr lang="en-GB" sz="3200" dirty="0" smtClean="0">
+              <a:solidFill>
+                <a:schemeClr val="accent5">
+                  <a:lumMod val="75000"/>
+                </a:schemeClr>
+              </a:solidFill>
+            </a:endParaRPr>
           </a:p>
           <a:p>
             <a:pPr algn="just">
@@ -23852,7 +23965,19 @@
             </a:r>
             <a:r>
               <a:rPr lang="en-GB" sz="3200" dirty="0"/>
-              <a:t>this sort of research problem requires more than one variable that describes the relationship between them </a:t>
+              <a:t>this sort of research problem </a:t>
+            </a:r>
+            <a:r>
+              <a:rPr lang="en-GB" sz="3200" dirty="0">
+                <a:solidFill>
+                  <a:srgbClr val="FF0000"/>
+                </a:solidFill>
+              </a:rPr>
+              <a:t>requires more than one variable </a:t>
+            </a:r>
+            <a:r>
+              <a:rPr lang="en-GB" sz="3200" dirty="0"/>
+              <a:t>that describes the relationship between them </a:t>
             </a:r>
             <a:r>
               <a:rPr lang="en-GB" sz="3200" dirty="0" smtClean="0"/>
@@ -23991,7 +24116,35 @@
             </a:pPr>
             <a:r>
               <a:rPr lang="en-GB" sz="3200" dirty="0"/>
-              <a:t>Causal research problems focus on identifying the extent and nature of cause and effect relationships. </a:t>
+              <a:t>Causal research problems focus on </a:t>
+            </a:r>
+            <a:r>
+              <a:rPr lang="en-GB" sz="3200" dirty="0" smtClean="0">
+                <a:solidFill>
+                  <a:srgbClr val="FF0000"/>
+                </a:solidFill>
+              </a:rPr>
+              <a:t>identifying the extent and </a:t>
+            </a:r>
+            <a:r>
+              <a:rPr lang="en-GB" sz="3200" dirty="0">
+                <a:solidFill>
+                  <a:srgbClr val="FF0000"/>
+                </a:solidFill>
+              </a:rPr>
+              <a:t>nature of cause and effect </a:t>
+            </a:r>
+            <a:r>
+              <a:rPr lang="en-GB" sz="3200" dirty="0" smtClean="0">
+                <a:solidFill>
+                  <a:srgbClr val="FF0000"/>
+                </a:solidFill>
+              </a:rPr>
+              <a:t>relationships.</a:t>
+            </a:r>
+            <a:r>
+              <a:rPr lang="en-GB" sz="3200" dirty="0" smtClean="0"/>
+              <a:t> </a:t>
             </a:r>
             <a:endParaRPr lang="en-GB" sz="3200" dirty="0" smtClean="0"/>
           </a:p>
@@ -24001,14 +24154,26 @@
               <a:buChar char="§"/>
             </a:pPr>
             <a:r>
-              <a:rPr lang="en-GB" sz="3200" dirty="0" smtClean="0"/>
+              <a:rPr lang="en-GB" sz="3200" dirty="0" smtClean="0">
+                <a:solidFill>
+                  <a:srgbClr val="FF0000"/>
+                </a:solidFill>
+              </a:rPr>
               <a:t>Such </a:t>
             </a:r>
             <a:r>
-              <a:rPr lang="en-GB" sz="3200" dirty="0"/>
+              <a:rPr lang="en-GB" sz="3200" dirty="0">
+                <a:solidFill>
+                  <a:srgbClr val="FF0000"/>
+                </a:solidFill>
+              </a:rPr>
               <a:t>research problems help in assessing the impact of some changes on existing norms and processes. </a:t>
             </a:r>
-            <a:endParaRPr lang="en-GB" sz="3200" dirty="0" smtClean="0"/>
+            <a:endParaRPr lang="en-GB" sz="3200" dirty="0" smtClean="0">
+              <a:solidFill>
+                <a:srgbClr val="FF0000"/>
+              </a:solidFill>
+            </a:endParaRPr>
           </a:p>
           <a:p>
             <a:pPr algn="just">
@@ -24021,7 +24186,19 @@
             </a:r>
             <a:r>
               <a:rPr lang="en-GB" sz="3200" dirty="0"/>
-              <a:t>thus identify patterns of relationships between different elements</a:t>
+              <a:t>thus </a:t>
+            </a:r>
+            <a:r>
+              <a:rPr lang="en-GB" sz="3200" dirty="0">
+                <a:solidFill>
+                  <a:srgbClr val="FF0000"/>
+                </a:solidFill>
+              </a:rPr>
+              <a:t>identify patterns of relationships </a:t>
+            </a:r>
+            <a:r>
+              <a:rPr lang="en-GB" sz="3200" dirty="0"/>
+              <a:t>between different elements</a:t>
             </a:r>
             <a:r>
               <a:rPr lang="en-GB" sz="3200" dirty="0" smtClean="0"/>
@@ -24226,7 +24403,77 @@
             </a:pPr>
             <a:r>
               <a:rPr lang="en-GB" sz="3200" dirty="0"/>
-              <a:t>For example, ‘how does online education affect student’s learning abilities?’ </a:t>
+              <a:t>For example, </a:t>
+            </a:r>
+            <a:r>
+              <a:rPr lang="en-GB" sz="3200" dirty="0">
+                <a:solidFill>
+                  <a:schemeClr val="accent5"/>
+                </a:solidFill>
+              </a:rPr>
+              <a:t>‘how does online education affect student’s learning abilities?’ </a:t>
+            </a:r>
+            <a:endParaRPr lang="en-GB" sz="3200" dirty="0" smtClean="0">
+              <a:solidFill>
+                <a:schemeClr val="accent5"/>
+              </a:solidFill>
+            </a:endParaRPr>
+          </a:p>
+          <a:p>
+            <a:pPr algn="just">
+              <a:buFont typeface="Wingdings" panose="05000000000000000000" pitchFamily="2" charset="2"/>
+              <a:buChar char="§"/>
+            </a:pPr>
+            <a:r>
+              <a:rPr lang="en-GB" sz="3200" dirty="0" smtClean="0"/>
+              <a:t>In </a:t>
+            </a:r>
+            <a:r>
+              <a:rPr lang="en-GB" sz="3200" dirty="0"/>
+              <a:t>such cases, </a:t>
+            </a:r>
+            <a:r>
+              <a:rPr lang="en-GB" sz="3200" dirty="0">
+                <a:solidFill>
+                  <a:schemeClr val="accent2">
+                    <a:lumMod val="75000"/>
+                  </a:schemeClr>
+                </a:solidFill>
+              </a:rPr>
+              <a:t>experiments are the most popular way of collecting primary data. </a:t>
+            </a:r>
+            <a:endParaRPr lang="en-GB" sz="3200" dirty="0" smtClean="0">
+              <a:solidFill>
+                <a:schemeClr val="accent2">
+                  <a:lumMod val="75000"/>
+                </a:schemeClr>
+              </a:solidFill>
+            </a:endParaRPr>
+          </a:p>
+          <a:p>
+            <a:pPr algn="just">
+              <a:buFont typeface="Wingdings" panose="05000000000000000000" pitchFamily="2" charset="2"/>
+              <a:buChar char="§"/>
+            </a:pPr>
+            <a:r>
+              <a:rPr lang="en-GB" sz="3200" dirty="0" smtClean="0"/>
+              <a:t>Here</a:t>
+            </a:r>
+            <a:r>
+              <a:rPr lang="en-GB" sz="3200" dirty="0"/>
+              <a:t>, the </a:t>
+            </a:r>
+            <a:r>
+              <a:rPr lang="en-GB" sz="3200" dirty="0">
+                <a:solidFill>
+                  <a:srgbClr val="FF0000"/>
+                </a:solidFill>
+              </a:rPr>
+              <a:t>hypothesis is usually directional</a:t>
+            </a:r>
+            <a:r>
+              <a:rPr lang="en-GB" sz="3200" dirty="0"/>
+              <a:t>, i.e. explaining how one factor affects the behaviour of another one. </a:t>
             </a:r>
             <a:endParaRPr lang="en-GB" sz="3200" dirty="0" smtClean="0"/>
           </a:p>
@@ -24237,11 +24484,23 @@
             </a:pPr>
             <a:r>
               <a:rPr lang="en-GB" sz="3200" dirty="0" smtClean="0"/>
-              <a:t>In </a:t>
+              <a:t>Such </a:t>
             </a:r>
             <a:r>
               <a:rPr lang="en-GB" sz="3200" dirty="0"/>
-              <a:t>such cases, experiments are the most popular way of collecting primary data. </a:t>
+              <a:t>studies give the </a:t>
+            </a:r>
+            <a:r>
+              <a:rPr lang="en-GB" sz="3200" dirty="0">
+                <a:solidFill>
+                  <a:srgbClr val="FF0000"/>
+                </a:solidFill>
+              </a:rPr>
+              <a:t>researcher the freedom to manipulate the variables as desired</a:t>
+            </a:r>
+            <a:r>
+              <a:rPr lang="en-GB" sz="3200" dirty="0"/>
+              <a:t>. </a:t>
             </a:r>
             <a:endParaRPr lang="en-GB" sz="3200" dirty="0" smtClean="0"/>
           </a:p>
@@ -24251,42 +24510,36 @@
               <a:buChar char="§"/>
             </a:pPr>
             <a:r>
-              <a:rPr lang="en-GB" sz="3200" dirty="0" smtClean="0"/>
-              <a:t>Here</a:t>
+              <a:rPr lang="en-GB" sz="3200" dirty="0" smtClean="0">
+                <a:solidFill>
+                  <a:srgbClr val="FF0000"/>
+                </a:solidFill>
+              </a:rPr>
+              <a:t>Data </a:t>
+            </a:r>
+            <a:r>
+              <a:rPr lang="en-GB" sz="3200" dirty="0">
+                <a:solidFill>
+                  <a:srgbClr val="FF0000"/>
+                </a:solidFill>
+              </a:rPr>
+              <a:t>for causal research </a:t>
             </a:r>
             <a:r>
               <a:rPr lang="en-GB" sz="3200" dirty="0"/>
-              <a:t>, the hypothesis is usually directional, i.e. explaining how one factor affects the behaviour of another one. </a:t>
-            </a:r>
-            <a:endParaRPr lang="en-GB" sz="3200" dirty="0" smtClean="0"/>
-          </a:p>
-          <a:p>
-            <a:pPr algn="just">
-              <a:buFont typeface="Wingdings" panose="05000000000000000000" pitchFamily="2" charset="2"/>
-              <a:buChar char="§"/>
-            </a:pPr>
-            <a:r>
-              <a:rPr lang="en-GB" sz="3200" dirty="0" smtClean="0"/>
-              <a:t>Such </a:t>
+              <a:t>can be collected in two ways: </a:t>
+            </a:r>
+            <a:r>
+              <a:rPr lang="en-GB" sz="3200" dirty="0">
+                <a:solidFill>
+                  <a:srgbClr val="FF0000"/>
+                </a:solidFill>
+              </a:rPr>
+              <a:t>laboratory experiments and field experiments</a:t>
             </a:r>
             <a:r>
               <a:rPr lang="en-GB" sz="3200" dirty="0"/>
-              <a:t>studies give the researcher the freedom to manipulate the variables as desired. </a:t>
-            </a:r>
-            <a:endParaRPr lang="en-GB" sz="3200" dirty="0" smtClean="0"/>
-          </a:p>
-          <a:p>
-            <a:pPr algn="just">
-              <a:buFont typeface="Wingdings" panose="05000000000000000000" pitchFamily="2" charset="2"/>
-              <a:buChar char="§"/>
-            </a:pPr>
-            <a:r>
-              <a:rPr lang="en-GB" sz="3200" dirty="0" smtClean="0"/>
-              <a:t>Data </a:t>
-            </a:r>
-            <a:r>
-              <a:rPr lang="en-GB" sz="3200" dirty="0"/>
-              <a:t>for causal research can be collected in two ways: laboratory experiments and field experiments.</a:t>
+              <a:t>.</a:t>
             </a:r>
             <a:endParaRPr lang="en-GB" sz="2800" dirty="0"/>
           </a:p>
@@ -24391,8 +24644,16 @@
               <a:buChar char="§"/>
             </a:pPr>
             <a:r>
+              <a:rPr lang="en-GB" sz="3200" dirty="0">
+                <a:solidFill>
+                  <a:srgbClr val="FF0000"/>
+                </a:solidFill>
+              </a:rPr>
+              <a:t>Laboratory experiments are generally conducted in the artificial environment </a:t>
+            </a:r>
+            <a:r>
               <a:rPr lang="en-GB" sz="3200" dirty="0"/>
-              <a:t>Laboratory experiments are generally conducted in the artificial environment which allows the researcher to carefully manipulate the variables. </a:t>
+              <a:t>which allows the researcher to carefully manipulate the variables. </a:t>
             </a:r>
             <a:endParaRPr lang="en-GB" sz="3200" dirty="0" smtClean="0"/>
           </a:p>
@@ -24407,9 +24668,33 @@
             </a:r>
             <a:r>
               <a:rPr lang="en-GB" sz="3200" dirty="0"/>
-              <a:t>the other hand, field experiments are much more realistic in nature. </a:t>
-            </a:r>
-            <a:endParaRPr lang="en-GB" sz="3200" dirty="0" smtClean="0"/>
+              <a:t>the other hand, </a:t>
+            </a:r>
+            <a:r>
+              <a:rPr lang="en-GB" sz="3200" dirty="0">
+                <a:solidFill>
+                  <a:srgbClr val="FF0000"/>
+                </a:solidFill>
+              </a:rPr>
+              <a:t>field</a:t>
+            </a:r>
+            <a:r>
+              <a:rPr lang="en-GB" sz="3200" dirty="0"/>
+              <a:t> </a:t>
+            </a:r>
+            <a:r>
+              <a:rPr lang="en-GB" sz="3200" dirty="0">
+                <a:solidFill>
+                  <a:srgbClr val="FF0000"/>
+                </a:solidFill>
+              </a:rPr>
+              <a:t>experiments are much more realistic in nature. </a:t>
+            </a:r>
+            <a:endParaRPr lang="en-GB" sz="3200" dirty="0" smtClean="0">
+              <a:solidFill>
+                <a:srgbClr val="FF0000"/>
+              </a:solidFill>
+            </a:endParaRPr>
           </a:p>
           <a:p>
             <a:pPr algn="just">
@@ -24479,6 +24764,13 @@
   <p:clrMapOvr>
     <a:masterClrMapping/>
   </p:clrMapOvr>
+  <p:timing>
+    <p:tnLst>
+      <p:par>
+        <p:cTn id="1" dur="indefinite" restart="never" nodeType="tmRoot"/>
+      </p:par>
+    </p:tnLst>
+  </p:timing>
 </p:sld>
 </file>
 
@@ -25128,7 +25420,6 @@
               <a:rPr lang="en-GB" sz="4000" dirty="0" smtClean="0"/>
               <a:t>The identification of the research problem helps in narrowing down the issue to something that is reasonable for conducting a study. </a:t>
             </a:r>
-            <a:endParaRPr lang="en-GB" sz="4000" dirty="0" smtClean="0"/>
           </a:p>
           <a:p>
             <a:pPr algn="just">
@@ -25137,11 +25428,7 @@
             </a:pPr>
             <a:r>
               <a:rPr lang="en-GB" sz="4000" dirty="0" smtClean="0"/>
-              <a:t>Defining </a:t>
-            </a:r>
-            <a:r>
-              <a:rPr lang="en-GB" sz="4000" dirty="0" smtClean="0"/>
-              <a:t>a research problem serves three main purposes: </a:t>
+              <a:t>Defining a research problem serves three main purposes: </a:t>
             </a:r>
           </a:p>
           <a:p>
@@ -25444,7 +25731,27 @@
             </a:r>
             <a:r>
               <a:rPr lang="en-GB" sz="3200" dirty="0"/>
-              <a:t>. Intuition. </a:t>
+              <a:t>. </a:t>
+            </a:r>
+            <a:r>
+              <a:rPr lang="en-GB" sz="3200" dirty="0" smtClean="0"/>
+              <a:t>Intuition(_el-</a:t>
+            </a:r>
+            <a:r>
+              <a:rPr lang="en-GB" sz="3200" dirty="0" err="1" smtClean="0"/>
+              <a:t>haam</a:t>
+            </a:r>
+            <a:r>
+              <a:rPr lang="en-GB" sz="3200" dirty="0" smtClean="0"/>
+              <a:t>, </a:t>
+            </a:r>
+            <a:r>
+              <a:rPr lang="en-GB" sz="3200" dirty="0" err="1" smtClean="0"/>
+              <a:t>Andesha</a:t>
+            </a:r>
+            <a:r>
+              <a:rPr lang="en-GB" sz="3200" dirty="0" smtClean="0"/>
+              <a:t>). </a:t>
             </a:r>
             <a:endParaRPr lang="en-GB" sz="3200" dirty="0" smtClean="0"/>
           </a:p>

--- a/BM-723 _Business research method/BooksAndNotes/Lec Two.pptx
+++ b/BM-723 _Business research method/BooksAndNotes/Lec Two.pptx
@@ -8961,7 +8961,7 @@
           <a:p>
             <a:fld id="{085FF034-438D-478A-A32C-A08D514DD502}" type="datetimeFigureOut">
               <a:rPr lang="en-GB" smtClean="0"/>
-              <a:t>11/04/2021</a:t>
+              <a:t>02/05/2021</a:t>
             </a:fld>
             <a:endParaRPr lang="en-GB"/>
           </a:p>
@@ -9173,7 +9173,7 @@
           <a:p>
             <a:fld id="{085FF034-438D-478A-A32C-A08D514DD502}" type="datetimeFigureOut">
               <a:rPr lang="en-GB" smtClean="0"/>
-              <a:t>11/04/2021</a:t>
+              <a:t>02/05/2021</a:t>
             </a:fld>
             <a:endParaRPr lang="en-GB"/>
           </a:p>
@@ -9353,7 +9353,7 @@
           <a:p>
             <a:fld id="{085FF034-438D-478A-A32C-A08D514DD502}" type="datetimeFigureOut">
               <a:rPr lang="en-GB" smtClean="0"/>
-              <a:t>11/04/2021</a:t>
+              <a:t>02/05/2021</a:t>
             </a:fld>
             <a:endParaRPr lang="en-GB"/>
           </a:p>
@@ -9558,7 +9558,7 @@
           <a:p>
             <a:fld id="{085FF034-438D-478A-A32C-A08D514DD502}" type="datetimeFigureOut">
               <a:rPr lang="en-GB" smtClean="0"/>
-              <a:t>11/04/2021</a:t>
+              <a:t>02/05/2021</a:t>
             </a:fld>
             <a:endParaRPr lang="en-GB"/>
           </a:p>
@@ -18456,7 +18456,7 @@
           <a:p>
             <a:fld id="{085FF034-438D-478A-A32C-A08D514DD502}" type="datetimeFigureOut">
               <a:rPr lang="en-GB" smtClean="0"/>
-              <a:t>11/04/2021</a:t>
+              <a:t>02/05/2021</a:t>
             </a:fld>
             <a:endParaRPr lang="en-GB"/>
           </a:p>
@@ -18730,7 +18730,7 @@
           <a:p>
             <a:fld id="{085FF034-438D-478A-A32C-A08D514DD502}" type="datetimeFigureOut">
               <a:rPr lang="en-GB" smtClean="0"/>
-              <a:t>11/04/2021</a:t>
+              <a:t>02/05/2021</a:t>
             </a:fld>
             <a:endParaRPr lang="en-GB"/>
           </a:p>
@@ -19128,7 +19128,7 @@
           <a:p>
             <a:fld id="{085FF034-438D-478A-A32C-A08D514DD502}" type="datetimeFigureOut">
               <a:rPr lang="en-GB" smtClean="0"/>
-              <a:t>11/04/2021</a:t>
+              <a:t>02/05/2021</a:t>
             </a:fld>
             <a:endParaRPr lang="en-GB"/>
           </a:p>
@@ -19246,7 +19246,7 @@
           <a:p>
             <a:fld id="{085FF034-438D-478A-A32C-A08D514DD502}" type="datetimeFigureOut">
               <a:rPr lang="en-GB" smtClean="0"/>
-              <a:t>11/04/2021</a:t>
+              <a:t>02/05/2021</a:t>
             </a:fld>
             <a:endParaRPr lang="en-GB"/>
           </a:p>
@@ -19341,7 +19341,7 @@
           <a:p>
             <a:fld id="{085FF034-438D-478A-A32C-A08D514DD502}" type="datetimeFigureOut">
               <a:rPr lang="en-GB" smtClean="0"/>
-              <a:t>11/04/2021</a:t>
+              <a:t>02/05/2021</a:t>
             </a:fld>
             <a:endParaRPr lang="en-GB"/>
           </a:p>
@@ -19636,7 +19636,7 @@
           <a:p>
             <a:fld id="{085FF034-438D-478A-A32C-A08D514DD502}" type="datetimeFigureOut">
               <a:rPr lang="en-GB" smtClean="0"/>
-              <a:t>11/04/2021</a:t>
+              <a:t>02/05/2021</a:t>
             </a:fld>
             <a:endParaRPr lang="en-GB"/>
           </a:p>
@@ -19921,7 +19921,7 @@
           <a:p>
             <a:fld id="{085FF034-438D-478A-A32C-A08D514DD502}" type="datetimeFigureOut">
               <a:rPr lang="en-GB" smtClean="0"/>
-              <a:t>11/04/2021</a:t>
+              <a:t>02/05/2021</a:t>
             </a:fld>
             <a:endParaRPr lang="en-GB"/>
           </a:p>
@@ -20171,7 +20171,7 @@
           <a:p>
             <a:fld id="{085FF034-438D-478A-A32C-A08D514DD502}" type="datetimeFigureOut">
               <a:rPr lang="en-GB" smtClean="0"/>
-              <a:t>11/04/2021</a:t>
+              <a:t>02/05/2021</a:t>
             </a:fld>
             <a:endParaRPr lang="en-GB"/>
           </a:p>
@@ -21031,7 +21031,11 @@
             </a:r>
             <a:r>
               <a:rPr lang="en-GB" sz="3200" dirty="0"/>
-              <a:t>problem identification. </a:t>
+              <a:t>problem identification</a:t>
+            </a:r>
+            <a:r>
+              <a:rPr lang="en-GB" sz="3200" dirty="0" smtClean="0"/>
+              <a:t>.</a:t>
             </a:r>
             <a:endParaRPr lang="en-GB" sz="3200" dirty="0" smtClean="0"/>
           </a:p>
@@ -21570,8 +21574,8 @@
               <a:buChar char="§"/>
             </a:pPr>
             <a:r>
-              <a:rPr lang="en-GB" sz="4000" dirty="0" smtClean="0"/>
-              <a:t>A </a:t>
+              <a:rPr lang="en-GB" sz="4000" smtClean="0"/>
+              <a:t>An </a:t>
             </a:r>
             <a:r>
               <a:rPr lang="en-GB" sz="4000" dirty="0"/>
@@ -24146,7 +24150,6 @@
               <a:rPr lang="en-GB" sz="3200" dirty="0" smtClean="0"/>
               <a:t> </a:t>
             </a:r>
-            <a:endParaRPr lang="en-GB" sz="3200" dirty="0" smtClean="0"/>
           </a:p>
           <a:p>
             <a:pPr algn="just">
@@ -24881,7 +24884,15 @@
             </a:r>
             <a:r>
               <a:rPr lang="en-GB" sz="3000" dirty="0"/>
-              <a:t>identify the similar features that occur in the different </a:t>
+              <a:t>identify </a:t>
+            </a:r>
+            <a:r>
+              <a:rPr lang="en-GB" sz="3000" dirty="0" smtClean="0"/>
+              <a:t>the similar features that </a:t>
+            </a:r>
+            <a:r>
+              <a:rPr lang="en-GB" sz="3000" dirty="0"/>
+              <a:t>occur in the different </a:t>
             </a:r>
             <a:r>
               <a:rPr lang="en-GB" sz="3000" dirty="0" smtClean="0"/>
@@ -24894,8 +24905,12 @@
               <a:buChar char="§"/>
             </a:pPr>
             <a:r>
+              <a:rPr lang="en-GB" sz="3000" dirty="0" smtClean="0"/>
+              <a:t>Understanding </a:t>
+            </a:r>
+            <a:r>
               <a:rPr lang="en-GB" sz="3000" dirty="0"/>
-              <a:t>Understanding the research process will help you understand the implication of deviating from a systematic approach to research, as well as the associating consequences of ineffective and ineffectual research.</a:t>
+              <a:t>the research process will help you understand the implication of deviating from a systematic approach to research, as well as the associating consequences of ineffective and ineffectual research.</a:t>
             </a:r>
             <a:endParaRPr lang="en-GB" sz="3000" dirty="0" smtClean="0"/>
           </a:p>
@@ -25320,7 +25335,15 @@
             </a:pPr>
             <a:r>
               <a:rPr lang="en-GB" sz="2800" dirty="0" smtClean="0"/>
-              <a:t> rephrasing the same into meaningful terms from an point of view</a:t>
+              <a:t> rephrasing the same into meaningful terms from </a:t>
+            </a:r>
+            <a:r>
+              <a:rPr lang="en-GB" sz="2800" dirty="0" smtClean="0"/>
+              <a:t>a </a:t>
+            </a:r>
+            <a:r>
+              <a:rPr lang="en-GB" sz="2800" dirty="0" smtClean="0"/>
+              <a:t>point of view</a:t>
             </a:r>
             <a:endParaRPr lang="en-GB" sz="2800" dirty="0"/>
           </a:p>
@@ -25753,7 +25776,6 @@
               <a:rPr lang="en-GB" sz="3200" dirty="0" smtClean="0"/>
               <a:t>). </a:t>
             </a:r>
-            <a:endParaRPr lang="en-GB" sz="3200" dirty="0" smtClean="0"/>
           </a:p>
           <a:p>
             <a:pPr marL="502920" lvl="3" indent="0" algn="just">
@@ -25765,9 +25787,12 @@
             </a:r>
             <a:r>
               <a:rPr lang="en-GB" sz="3200" dirty="0"/>
-              <a:t>. Folklores. </a:t>
-            </a:r>
-            <a:endParaRPr lang="en-GB" sz="3200" dirty="0" smtClean="0"/>
+              <a:t>. </a:t>
+            </a:r>
+            <a:r>
+              <a:rPr lang="en-GB" sz="3200" dirty="0" smtClean="0"/>
+              <a:t>Folklores.</a:t>
+            </a:r>
           </a:p>
           <a:p>
             <a:pPr marL="502920" lvl="3" indent="0" algn="just">
@@ -25775,13 +25800,8 @@
             </a:pPr>
             <a:r>
               <a:rPr lang="en-GB" sz="3200" dirty="0" smtClean="0"/>
-              <a:t>10</a:t>
-            </a:r>
-            <a:r>
-              <a:rPr lang="en-GB" sz="3200" dirty="0"/>
-              <a:t>. Exposure to field situation. </a:t>
-            </a:r>
-            <a:endParaRPr lang="en-GB" sz="3200" dirty="0" smtClean="0"/>
+              <a:t>10. Exposure to field situation.</a:t>
+            </a:r>
           </a:p>
           <a:p>
             <a:pPr marL="502920" lvl="3" indent="0" algn="just">
@@ -25789,11 +25809,7 @@
             </a:pPr>
             <a:r>
               <a:rPr lang="en-GB" sz="3200" dirty="0" smtClean="0"/>
-              <a:t>11</a:t>
-            </a:r>
-            <a:r>
-              <a:rPr lang="en-GB" sz="3200" dirty="0"/>
-              <a:t>. Consultation with experts.</a:t>
+              <a:t>11. Consultation with experts.</a:t>
             </a:r>
             <a:endParaRPr lang="en-GB" sz="2800" dirty="0"/>
           </a:p>
